--- a/docs/IMGES.pptx
+++ b/docs/IMGES.pptx
@@ -8598,6 +8598,78 @@
           </a:p>
         </p:txBody>
       </p:sp>
+      <p:pic>
+        <p:nvPicPr>
+          <p:cNvPr id="13" name="صورة 12">
+            <a:extLst>
+              <a:ext uri="{FF2B5EF4-FFF2-40B4-BE49-F238E27FC236}">
+                <a16:creationId xmlns:a16="http://schemas.microsoft.com/office/drawing/2014/main" id="{1716314C-F387-4DD2-AC41-B0422E7E1E88}"/>
+              </a:ext>
+            </a:extLst>
+          </p:cNvPr>
+          <p:cNvPicPr>
+            <a:picLocks noChangeAspect="1"/>
+          </p:cNvPicPr>
+          <p:nvPr/>
+        </p:nvPicPr>
+        <p:blipFill>
+          <a:blip r:embed="rId2">
+            <a:extLst>
+              <a:ext uri="{28A0092B-C50C-407E-A947-70E740481C1C}">
+                <a14:useLocalDpi xmlns:a14="http://schemas.microsoft.com/office/drawing/2010/main" val="0"/>
+              </a:ext>
+            </a:extLst>
+          </a:blip>
+          <a:stretch>
+            <a:fillRect/>
+          </a:stretch>
+        </p:blipFill>
+        <p:spPr>
+          <a:xfrm>
+            <a:off x="8140700" y="1485899"/>
+            <a:ext cx="1219200" cy="1219200"/>
+          </a:xfrm>
+          <a:prstGeom prst="rect">
+            <a:avLst/>
+          </a:prstGeom>
+        </p:spPr>
+      </p:pic>
+      <p:pic>
+        <p:nvPicPr>
+          <p:cNvPr id="18" name="صورة 17" descr="صورة تحتوي على نص&#10;&#10;تم إنشاء الوصف تلقائياً">
+            <a:extLst>
+              <a:ext uri="{FF2B5EF4-FFF2-40B4-BE49-F238E27FC236}">
+                <a16:creationId xmlns:a16="http://schemas.microsoft.com/office/drawing/2014/main" id="{863AE7A7-5B07-40E0-B51D-6E345976928E}"/>
+              </a:ext>
+            </a:extLst>
+          </p:cNvPr>
+          <p:cNvPicPr>
+            <a:picLocks noChangeAspect="1"/>
+          </p:cNvPicPr>
+          <p:nvPr/>
+        </p:nvPicPr>
+        <p:blipFill>
+          <a:blip r:embed="rId3">
+            <a:extLst>
+              <a:ext uri="{28A0092B-C50C-407E-A947-70E740481C1C}">
+                <a14:useLocalDpi xmlns:a14="http://schemas.microsoft.com/office/drawing/2010/main" val="0"/>
+              </a:ext>
+            </a:extLst>
+          </a:blip>
+          <a:stretch>
+            <a:fillRect/>
+          </a:stretch>
+        </p:blipFill>
+        <p:spPr>
+          <a:xfrm>
+            <a:off x="9359900" y="2899491"/>
+            <a:ext cx="1219200" cy="1219200"/>
+          </a:xfrm>
+          <a:prstGeom prst="rect">
+            <a:avLst/>
+          </a:prstGeom>
+        </p:spPr>
+      </p:pic>
     </p:spTree>
     <p:extLst>
       <p:ext uri="{BB962C8B-B14F-4D97-AF65-F5344CB8AC3E}">

--- a/docs/IMGES.pptx
+++ b/docs/IMGES.pptx
@@ -11,6 +11,7 @@
     <p:sldId id="261" r:id="rId5"/>
     <p:sldId id="262" r:id="rId6"/>
     <p:sldId id="263" r:id="rId7"/>
+    <p:sldId id="264" r:id="rId8"/>
   </p:sldIdLst>
   <p:sldSz cx="12192000" cy="6858000"/>
   <p:notesSz cx="6858000" cy="9144000"/>
@@ -248,7 +249,7 @@
           <a:p>
             <a:fld id="{C736E73E-0E80-4889-A8BC-0AFBA3800F9C}" type="datetimeFigureOut">
               <a:rPr lang="ar-MA" smtClean="0"/>
-              <a:t>06-06-1442</a:t>
+              <a:t>16-06-1442</a:t>
             </a:fld>
             <a:endParaRPr lang="ar-MA"/>
           </a:p>
@@ -418,7 +419,7 @@
           <a:p>
             <a:fld id="{C736E73E-0E80-4889-A8BC-0AFBA3800F9C}" type="datetimeFigureOut">
               <a:rPr lang="ar-MA" smtClean="0"/>
-              <a:t>06-06-1442</a:t>
+              <a:t>16-06-1442</a:t>
             </a:fld>
             <a:endParaRPr lang="ar-MA"/>
           </a:p>
@@ -598,7 +599,7 @@
           <a:p>
             <a:fld id="{C736E73E-0E80-4889-A8BC-0AFBA3800F9C}" type="datetimeFigureOut">
               <a:rPr lang="ar-MA" smtClean="0"/>
-              <a:t>06-06-1442</a:t>
+              <a:t>16-06-1442</a:t>
             </a:fld>
             <a:endParaRPr lang="ar-MA"/>
           </a:p>
@@ -768,7 +769,7 @@
           <a:p>
             <a:fld id="{C736E73E-0E80-4889-A8BC-0AFBA3800F9C}" type="datetimeFigureOut">
               <a:rPr lang="ar-MA" smtClean="0"/>
-              <a:t>06-06-1442</a:t>
+              <a:t>16-06-1442</a:t>
             </a:fld>
             <a:endParaRPr lang="ar-MA"/>
           </a:p>
@@ -1014,7 +1015,7 @@
           <a:p>
             <a:fld id="{C736E73E-0E80-4889-A8BC-0AFBA3800F9C}" type="datetimeFigureOut">
               <a:rPr lang="ar-MA" smtClean="0"/>
-              <a:t>06-06-1442</a:t>
+              <a:t>16-06-1442</a:t>
             </a:fld>
             <a:endParaRPr lang="ar-MA"/>
           </a:p>
@@ -1246,7 +1247,7 @@
           <a:p>
             <a:fld id="{C736E73E-0E80-4889-A8BC-0AFBA3800F9C}" type="datetimeFigureOut">
               <a:rPr lang="ar-MA" smtClean="0"/>
-              <a:t>06-06-1442</a:t>
+              <a:t>16-06-1442</a:t>
             </a:fld>
             <a:endParaRPr lang="ar-MA"/>
           </a:p>
@@ -1613,7 +1614,7 @@
           <a:p>
             <a:fld id="{C736E73E-0E80-4889-A8BC-0AFBA3800F9C}" type="datetimeFigureOut">
               <a:rPr lang="ar-MA" smtClean="0"/>
-              <a:t>06-06-1442</a:t>
+              <a:t>16-06-1442</a:t>
             </a:fld>
             <a:endParaRPr lang="ar-MA"/>
           </a:p>
@@ -1731,7 +1732,7 @@
           <a:p>
             <a:fld id="{C736E73E-0E80-4889-A8BC-0AFBA3800F9C}" type="datetimeFigureOut">
               <a:rPr lang="ar-MA" smtClean="0"/>
-              <a:t>06-06-1442</a:t>
+              <a:t>16-06-1442</a:t>
             </a:fld>
             <a:endParaRPr lang="ar-MA"/>
           </a:p>
@@ -1826,7 +1827,7 @@
           <a:p>
             <a:fld id="{C736E73E-0E80-4889-A8BC-0AFBA3800F9C}" type="datetimeFigureOut">
               <a:rPr lang="ar-MA" smtClean="0"/>
-              <a:t>06-06-1442</a:t>
+              <a:t>16-06-1442</a:t>
             </a:fld>
             <a:endParaRPr lang="ar-MA"/>
           </a:p>
@@ -2103,7 +2104,7 @@
           <a:p>
             <a:fld id="{C736E73E-0E80-4889-A8BC-0AFBA3800F9C}" type="datetimeFigureOut">
               <a:rPr lang="ar-MA" smtClean="0"/>
-              <a:t>06-06-1442</a:t>
+              <a:t>16-06-1442</a:t>
             </a:fld>
             <a:endParaRPr lang="ar-MA"/>
           </a:p>
@@ -2360,7 +2361,7 @@
           <a:p>
             <a:fld id="{C736E73E-0E80-4889-A8BC-0AFBA3800F9C}" type="datetimeFigureOut">
               <a:rPr lang="ar-MA" smtClean="0"/>
-              <a:t>06-06-1442</a:t>
+              <a:t>16-06-1442</a:t>
             </a:fld>
             <a:endParaRPr lang="ar-MA"/>
           </a:p>
@@ -2573,7 +2574,7 @@
           <a:p>
             <a:fld id="{C736E73E-0E80-4889-A8BC-0AFBA3800F9C}" type="datetimeFigureOut">
               <a:rPr lang="ar-MA" smtClean="0"/>
-              <a:t>06-06-1442</a:t>
+              <a:t>16-06-1442</a:t>
             </a:fld>
             <a:endParaRPr lang="ar-MA"/>
           </a:p>
@@ -9576,7 +9577,7 @@
           <a:lstStyle/>
           <a:p>
             <a:pPr algn="ctr"/>
-            <a:endParaRPr lang="ar-MA"/>
+            <a:endParaRPr lang="ar-MA" dirty="0"/>
           </a:p>
         </p:txBody>
       </p:sp>
@@ -12036,6 +12037,590 @@
 </p:sld>
 </file>
 
+<file path=ppt/slides/slide7.xml><?xml version="1.0" encoding="utf-8"?>
+<p:sld xmlns:a="http://schemas.openxmlformats.org/drawingml/2006/main" xmlns:r="http://schemas.openxmlformats.org/officeDocument/2006/relationships" xmlns:p="http://schemas.openxmlformats.org/presentationml/2006/main">
+  <p:cSld>
+    <p:spTree>
+      <p:nvGrpSpPr>
+        <p:cNvPr id="1" name=""/>
+        <p:cNvGrpSpPr/>
+        <p:nvPr/>
+      </p:nvGrpSpPr>
+      <p:grpSpPr>
+        <a:xfrm>
+          <a:off x="0" y="0"/>
+          <a:ext cx="0" cy="0"/>
+          <a:chOff x="0" y="0"/>
+          <a:chExt cx="0" cy="0"/>
+        </a:xfrm>
+      </p:grpSpPr>
+      <p:sp>
+        <p:nvSpPr>
+          <p:cNvPr id="3" name="مستطيل 2">
+            <a:extLst>
+              <a:ext uri="{FF2B5EF4-FFF2-40B4-BE49-F238E27FC236}">
+                <a16:creationId xmlns:a16="http://schemas.microsoft.com/office/drawing/2014/main" id="{1BCE2637-977F-44A2-B51B-75FECA0D0C7C}"/>
+              </a:ext>
+            </a:extLst>
+          </p:cNvPr>
+          <p:cNvSpPr/>
+          <p:nvPr/>
+        </p:nvSpPr>
+        <p:spPr>
+          <a:xfrm>
+            <a:off x="3272653" y="97087"/>
+            <a:ext cx="7858800" cy="2106000"/>
+          </a:xfrm>
+          <a:prstGeom prst="rect">
+            <a:avLst/>
+          </a:prstGeom>
+          <a:solidFill>
+            <a:srgbClr val="FF9F43"/>
+          </a:solidFill>
+          <a:ln>
+            <a:noFill/>
+          </a:ln>
+        </p:spPr>
+        <p:style>
+          <a:lnRef idx="2">
+            <a:schemeClr val="accent1">
+              <a:shade val="50000"/>
+            </a:schemeClr>
+          </a:lnRef>
+          <a:fillRef idx="1">
+            <a:schemeClr val="accent1"/>
+          </a:fillRef>
+          <a:effectRef idx="0">
+            <a:schemeClr val="accent1"/>
+          </a:effectRef>
+          <a:fontRef idx="minor">
+            <a:schemeClr val="lt1"/>
+          </a:fontRef>
+        </p:style>
+        <p:txBody>
+          <a:bodyPr rtlCol="1" anchor="ctr"/>
+          <a:lstStyle/>
+          <a:p>
+            <a:pPr algn="ctr"/>
+            <a:endParaRPr lang="ar-MA"/>
+          </a:p>
+        </p:txBody>
+      </p:sp>
+      <p:cxnSp>
+        <p:nvCxnSpPr>
+          <p:cNvPr id="4" name="رابط كسهم مستقيم 3">
+            <a:extLst>
+              <a:ext uri="{FF2B5EF4-FFF2-40B4-BE49-F238E27FC236}">
+                <a16:creationId xmlns:a16="http://schemas.microsoft.com/office/drawing/2014/main" id="{62F9DB42-E56C-4EA1-B0EB-D05207E5CA2B}"/>
+              </a:ext>
+            </a:extLst>
+          </p:cNvPr>
+          <p:cNvCxnSpPr>
+            <a:cxnSpLocks/>
+          </p:cNvCxnSpPr>
+          <p:nvPr/>
+        </p:nvCxnSpPr>
+        <p:spPr>
+          <a:xfrm>
+            <a:off x="7121536" y="1150087"/>
+            <a:ext cx="352425" cy="0"/>
+          </a:xfrm>
+          <a:prstGeom prst="straightConnector1">
+            <a:avLst/>
+          </a:prstGeom>
+          <a:ln w="38100">
+            <a:solidFill>
+              <a:srgbClr val="FF0000"/>
+            </a:solidFill>
+            <a:tailEnd type="triangle"/>
+          </a:ln>
+        </p:spPr>
+        <p:style>
+          <a:lnRef idx="1">
+            <a:schemeClr val="accent1"/>
+          </a:lnRef>
+          <a:fillRef idx="0">
+            <a:schemeClr val="accent1"/>
+          </a:fillRef>
+          <a:effectRef idx="0">
+            <a:schemeClr val="accent1"/>
+          </a:effectRef>
+          <a:fontRef idx="minor">
+            <a:schemeClr val="tx1"/>
+          </a:fontRef>
+        </p:style>
+      </p:cxnSp>
+      <p:cxnSp>
+        <p:nvCxnSpPr>
+          <p:cNvPr id="40" name="رابط كسهم مستقيم 39">
+            <a:extLst>
+              <a:ext uri="{FF2B5EF4-FFF2-40B4-BE49-F238E27FC236}">
+                <a16:creationId xmlns:a16="http://schemas.microsoft.com/office/drawing/2014/main" id="{C75B0A73-FBCE-4890-A8A2-3E31398B015C}"/>
+              </a:ext>
+            </a:extLst>
+          </p:cNvPr>
+          <p:cNvCxnSpPr>
+            <a:cxnSpLocks/>
+          </p:cNvCxnSpPr>
+          <p:nvPr/>
+        </p:nvCxnSpPr>
+        <p:spPr>
+          <a:xfrm>
+            <a:off x="7121536" y="1150087"/>
+            <a:ext cx="352425" cy="0"/>
+          </a:xfrm>
+          <a:prstGeom prst="straightConnector1">
+            <a:avLst/>
+          </a:prstGeom>
+          <a:ln w="38100">
+            <a:solidFill>
+              <a:srgbClr val="FF0000"/>
+            </a:solidFill>
+            <a:tailEnd type="triangle"/>
+          </a:ln>
+        </p:spPr>
+        <p:style>
+          <a:lnRef idx="1">
+            <a:schemeClr val="accent1"/>
+          </a:lnRef>
+          <a:fillRef idx="0">
+            <a:schemeClr val="accent1"/>
+          </a:fillRef>
+          <a:effectRef idx="0">
+            <a:schemeClr val="accent1"/>
+          </a:effectRef>
+          <a:fontRef idx="minor">
+            <a:schemeClr val="tx1"/>
+          </a:fontRef>
+        </p:style>
+      </p:cxnSp>
+      <p:grpSp>
+        <p:nvGrpSpPr>
+          <p:cNvPr id="2" name="مجموعة 1">
+            <a:extLst>
+              <a:ext uri="{FF2B5EF4-FFF2-40B4-BE49-F238E27FC236}">
+                <a16:creationId xmlns:a16="http://schemas.microsoft.com/office/drawing/2014/main" id="{E9ABF1A3-9A83-4AB2-BD82-0C6F9CC5F110}"/>
+              </a:ext>
+            </a:extLst>
+          </p:cNvPr>
+          <p:cNvGrpSpPr/>
+          <p:nvPr/>
+        </p:nvGrpSpPr>
+        <p:grpSpPr>
+          <a:xfrm>
+            <a:off x="4740424" y="326931"/>
+            <a:ext cx="1448755" cy="1542677"/>
+            <a:chOff x="7822550" y="3791259"/>
+            <a:chExt cx="1448755" cy="1542677"/>
+          </a:xfrm>
+        </p:grpSpPr>
+        <p:pic>
+          <p:nvPicPr>
+            <p:cNvPr id="39" name="صورة 38">
+              <a:extLst>
+                <a:ext uri="{FF2B5EF4-FFF2-40B4-BE49-F238E27FC236}">
+                  <a16:creationId xmlns:a16="http://schemas.microsoft.com/office/drawing/2014/main" id="{190B8C1E-8E11-4959-A557-7CA45296170E}"/>
+                </a:ext>
+              </a:extLst>
+            </p:cNvPr>
+            <p:cNvPicPr>
+              <a:picLocks noChangeAspect="1"/>
+            </p:cNvPicPr>
+            <p:nvPr/>
+          </p:nvPicPr>
+          <p:blipFill>
+            <a:blip r:embed="rId2">
+              <a:extLst>
+                <a:ext uri="{28A0092B-C50C-407E-A947-70E740481C1C}">
+                  <a14:useLocalDpi xmlns:a14="http://schemas.microsoft.com/office/drawing/2010/main" val="0"/>
+                </a:ext>
+              </a:extLst>
+            </a:blip>
+            <a:stretch>
+              <a:fillRect/>
+            </a:stretch>
+          </p:blipFill>
+          <p:spPr>
+            <a:xfrm rot="20279253">
+              <a:off x="7882726" y="3791259"/>
+              <a:ext cx="1388579" cy="1388579"/>
+            </a:xfrm>
+            <a:prstGeom prst="rect">
+              <a:avLst/>
+            </a:prstGeom>
+            <a:effectLst>
+              <a:outerShdw blurRad="50800" dist="38100" dir="5400000" algn="t" rotWithShape="0">
+                <a:prstClr val="black">
+                  <a:alpha val="40000"/>
+                </a:prstClr>
+              </a:outerShdw>
+            </a:effectLst>
+          </p:spPr>
+        </p:pic>
+        <p:pic>
+          <p:nvPicPr>
+            <p:cNvPr id="41" name="صورة 40">
+              <a:extLst>
+                <a:ext uri="{FF2B5EF4-FFF2-40B4-BE49-F238E27FC236}">
+                  <a16:creationId xmlns:a16="http://schemas.microsoft.com/office/drawing/2014/main" id="{A2338993-E918-4F2B-A1E4-6167F7F04830}"/>
+                </a:ext>
+              </a:extLst>
+            </p:cNvPr>
+            <p:cNvPicPr>
+              <a:picLocks noChangeAspect="1"/>
+            </p:cNvPicPr>
+            <p:nvPr/>
+          </p:nvPicPr>
+          <p:blipFill>
+            <a:blip r:embed="rId3">
+              <a:extLst>
+                <a:ext uri="{28A0092B-C50C-407E-A947-70E740481C1C}">
+                  <a14:useLocalDpi xmlns:a14="http://schemas.microsoft.com/office/drawing/2010/main" val="0"/>
+                </a:ext>
+              </a:extLst>
+            </a:blip>
+            <a:stretch>
+              <a:fillRect/>
+            </a:stretch>
+          </p:blipFill>
+          <p:spPr>
+            <a:xfrm rot="21300324">
+              <a:off x="7822550" y="4000437"/>
+              <a:ext cx="1333499" cy="1333499"/>
+            </a:xfrm>
+            <a:prstGeom prst="rect">
+              <a:avLst/>
+            </a:prstGeom>
+            <a:effectLst>
+              <a:outerShdw blurRad="50800" dist="38100" dir="5400000" algn="t" rotWithShape="0">
+                <a:prstClr val="black">
+                  <a:alpha val="40000"/>
+                </a:prstClr>
+              </a:outerShdw>
+            </a:effectLst>
+          </p:spPr>
+        </p:pic>
+      </p:grpSp>
+      <p:grpSp>
+        <p:nvGrpSpPr>
+          <p:cNvPr id="42" name="مجموعة 41">
+            <a:extLst>
+              <a:ext uri="{FF2B5EF4-FFF2-40B4-BE49-F238E27FC236}">
+                <a16:creationId xmlns:a16="http://schemas.microsoft.com/office/drawing/2014/main" id="{C91E4C35-A91C-4A8B-B101-19408226F335}"/>
+              </a:ext>
+            </a:extLst>
+          </p:cNvPr>
+          <p:cNvGrpSpPr/>
+          <p:nvPr/>
+        </p:nvGrpSpPr>
+        <p:grpSpPr>
+          <a:xfrm>
+            <a:off x="8377178" y="235400"/>
+            <a:ext cx="1333500" cy="1790700"/>
+            <a:chOff x="3781425" y="261824"/>
+            <a:chExt cx="1333500" cy="1790700"/>
+          </a:xfrm>
+        </p:grpSpPr>
+        <p:sp>
+          <p:nvSpPr>
+            <p:cNvPr id="43" name="مستطيل: زوايا مستديرة 42">
+              <a:extLst>
+                <a:ext uri="{FF2B5EF4-FFF2-40B4-BE49-F238E27FC236}">
+                  <a16:creationId xmlns:a16="http://schemas.microsoft.com/office/drawing/2014/main" id="{0A0B0CCE-92A6-4B80-A9CC-48B997CD1983}"/>
+                </a:ext>
+              </a:extLst>
+            </p:cNvPr>
+            <p:cNvSpPr/>
+            <p:nvPr/>
+          </p:nvSpPr>
+          <p:spPr>
+            <a:xfrm>
+              <a:off x="3781425" y="261824"/>
+              <a:ext cx="1333500" cy="1790700"/>
+            </a:xfrm>
+            <a:prstGeom prst="roundRect">
+              <a:avLst>
+                <a:gd name="adj" fmla="val 7381"/>
+              </a:avLst>
+            </a:prstGeom>
+            <a:solidFill>
+              <a:schemeClr val="bg1">
+                <a:lumMod val="95000"/>
+              </a:schemeClr>
+            </a:solidFill>
+            <a:ln>
+              <a:solidFill>
+                <a:schemeClr val="bg1">
+                  <a:lumMod val="75000"/>
+                </a:schemeClr>
+              </a:solidFill>
+            </a:ln>
+          </p:spPr>
+          <p:style>
+            <a:lnRef idx="2">
+              <a:schemeClr val="accent1">
+                <a:shade val="50000"/>
+              </a:schemeClr>
+            </a:lnRef>
+            <a:fillRef idx="1">
+              <a:schemeClr val="accent1"/>
+            </a:fillRef>
+            <a:effectRef idx="0">
+              <a:schemeClr val="accent1"/>
+            </a:effectRef>
+            <a:fontRef idx="minor">
+              <a:schemeClr val="lt1"/>
+            </a:fontRef>
+          </p:style>
+          <p:txBody>
+            <a:bodyPr rtlCol="1" anchor="ctr"/>
+            <a:lstStyle/>
+            <a:p>
+              <a:pPr algn="ctr"/>
+              <a:endParaRPr lang="ar-MA"/>
+            </a:p>
+          </p:txBody>
+        </p:sp>
+        <p:sp>
+          <p:nvSpPr>
+            <p:cNvPr id="44" name="مستطيل: زوايا مستديرة 43">
+              <a:extLst>
+                <a:ext uri="{FF2B5EF4-FFF2-40B4-BE49-F238E27FC236}">
+                  <a16:creationId xmlns:a16="http://schemas.microsoft.com/office/drawing/2014/main" id="{415070BA-5C24-41B0-AC6F-71B79D7370CF}"/>
+                </a:ext>
+              </a:extLst>
+            </p:cNvPr>
+            <p:cNvSpPr/>
+            <p:nvPr/>
+          </p:nvSpPr>
+          <p:spPr>
+            <a:xfrm>
+              <a:off x="4024312" y="676275"/>
+              <a:ext cx="847725" cy="342900"/>
+            </a:xfrm>
+            <a:prstGeom prst="roundRect">
+              <a:avLst/>
+            </a:prstGeom>
+            <a:solidFill>
+              <a:schemeClr val="bg1">
+                <a:lumMod val="85000"/>
+              </a:schemeClr>
+            </a:solidFill>
+            <a:ln>
+              <a:noFill/>
+            </a:ln>
+          </p:spPr>
+          <p:style>
+            <a:lnRef idx="2">
+              <a:schemeClr val="accent1">
+                <a:shade val="50000"/>
+              </a:schemeClr>
+            </a:lnRef>
+            <a:fillRef idx="1">
+              <a:schemeClr val="accent1"/>
+            </a:fillRef>
+            <a:effectRef idx="0">
+              <a:schemeClr val="accent1"/>
+            </a:effectRef>
+            <a:fontRef idx="minor">
+              <a:schemeClr val="lt1"/>
+            </a:fontRef>
+          </p:style>
+          <p:txBody>
+            <a:bodyPr rtlCol="1" anchor="ctr"/>
+            <a:lstStyle/>
+            <a:p>
+              <a:pPr algn="ctr"/>
+              <a:endParaRPr lang="ar-MA" b="1" dirty="0">
+                <a:solidFill>
+                  <a:srgbClr val="FF0000"/>
+                </a:solidFill>
+              </a:endParaRPr>
+            </a:p>
+          </p:txBody>
+        </p:sp>
+        <p:sp>
+          <p:nvSpPr>
+            <p:cNvPr id="45" name="مستطيل: زوايا مستديرة 44">
+              <a:extLst>
+                <a:ext uri="{FF2B5EF4-FFF2-40B4-BE49-F238E27FC236}">
+                  <a16:creationId xmlns:a16="http://schemas.microsoft.com/office/drawing/2014/main" id="{9D4C769E-7BBB-4958-ADD2-545A2B32EA76}"/>
+                </a:ext>
+              </a:extLst>
+            </p:cNvPr>
+            <p:cNvSpPr/>
+            <p:nvPr/>
+          </p:nvSpPr>
+          <p:spPr>
+            <a:xfrm>
+              <a:off x="4024312" y="1128599"/>
+              <a:ext cx="847725" cy="81076"/>
+            </a:xfrm>
+            <a:prstGeom prst="roundRect">
+              <a:avLst>
+                <a:gd name="adj" fmla="val 33496"/>
+              </a:avLst>
+            </a:prstGeom>
+            <a:solidFill>
+              <a:schemeClr val="bg1">
+                <a:lumMod val="85000"/>
+              </a:schemeClr>
+            </a:solidFill>
+            <a:ln>
+              <a:noFill/>
+            </a:ln>
+          </p:spPr>
+          <p:style>
+            <a:lnRef idx="2">
+              <a:schemeClr val="accent1">
+                <a:shade val="50000"/>
+              </a:schemeClr>
+            </a:lnRef>
+            <a:fillRef idx="1">
+              <a:schemeClr val="accent1"/>
+            </a:fillRef>
+            <a:effectRef idx="0">
+              <a:schemeClr val="accent1"/>
+            </a:effectRef>
+            <a:fontRef idx="minor">
+              <a:schemeClr val="lt1"/>
+            </a:fontRef>
+          </p:style>
+          <p:txBody>
+            <a:bodyPr rtlCol="1" anchor="ctr"/>
+            <a:lstStyle/>
+            <a:p>
+              <a:pPr algn="ctr"/>
+              <a:endParaRPr lang="ar-MA"/>
+            </a:p>
+          </p:txBody>
+        </p:sp>
+        <p:sp>
+          <p:nvSpPr>
+            <p:cNvPr id="46" name="مستطيل: زوايا مستديرة 45">
+              <a:extLst>
+                <a:ext uri="{FF2B5EF4-FFF2-40B4-BE49-F238E27FC236}">
+                  <a16:creationId xmlns:a16="http://schemas.microsoft.com/office/drawing/2014/main" id="{A7B912DF-7F79-4FD0-9CFC-E61D52A0B919}"/>
+                </a:ext>
+              </a:extLst>
+            </p:cNvPr>
+            <p:cNvSpPr/>
+            <p:nvPr/>
+          </p:nvSpPr>
+          <p:spPr>
+            <a:xfrm>
+              <a:off x="4024311" y="1314450"/>
+              <a:ext cx="847725" cy="81076"/>
+            </a:xfrm>
+            <a:prstGeom prst="roundRect">
+              <a:avLst>
+                <a:gd name="adj" fmla="val 33496"/>
+              </a:avLst>
+            </a:prstGeom>
+            <a:solidFill>
+              <a:schemeClr val="bg1">
+                <a:lumMod val="85000"/>
+              </a:schemeClr>
+            </a:solidFill>
+            <a:ln>
+              <a:noFill/>
+            </a:ln>
+          </p:spPr>
+          <p:style>
+            <a:lnRef idx="2">
+              <a:schemeClr val="accent1">
+                <a:shade val="50000"/>
+              </a:schemeClr>
+            </a:lnRef>
+            <a:fillRef idx="1">
+              <a:schemeClr val="accent1"/>
+            </a:fillRef>
+            <a:effectRef idx="0">
+              <a:schemeClr val="accent1"/>
+            </a:effectRef>
+            <a:fontRef idx="minor">
+              <a:schemeClr val="lt1"/>
+            </a:fontRef>
+          </p:style>
+          <p:txBody>
+            <a:bodyPr rtlCol="1" anchor="ctr"/>
+            <a:lstStyle/>
+            <a:p>
+              <a:pPr algn="ctr"/>
+              <a:endParaRPr lang="ar-MA"/>
+            </a:p>
+          </p:txBody>
+        </p:sp>
+        <p:sp>
+          <p:nvSpPr>
+            <p:cNvPr id="47" name="مستطيل: زوايا مستديرة 46">
+              <a:extLst>
+                <a:ext uri="{FF2B5EF4-FFF2-40B4-BE49-F238E27FC236}">
+                  <a16:creationId xmlns:a16="http://schemas.microsoft.com/office/drawing/2014/main" id="{68182990-BE75-4172-BC0F-2239BE993F4D}"/>
+                </a:ext>
+              </a:extLst>
+            </p:cNvPr>
+            <p:cNvSpPr/>
+            <p:nvPr/>
+          </p:nvSpPr>
+          <p:spPr>
+            <a:xfrm>
+              <a:off x="4024310" y="1500301"/>
+              <a:ext cx="847725" cy="81076"/>
+            </a:xfrm>
+            <a:prstGeom prst="roundRect">
+              <a:avLst>
+                <a:gd name="adj" fmla="val 33496"/>
+              </a:avLst>
+            </a:prstGeom>
+            <a:solidFill>
+              <a:schemeClr val="bg1">
+                <a:lumMod val="85000"/>
+              </a:schemeClr>
+            </a:solidFill>
+            <a:ln>
+              <a:noFill/>
+            </a:ln>
+          </p:spPr>
+          <p:style>
+            <a:lnRef idx="2">
+              <a:schemeClr val="accent1">
+                <a:shade val="50000"/>
+              </a:schemeClr>
+            </a:lnRef>
+            <a:fillRef idx="1">
+              <a:schemeClr val="accent1"/>
+            </a:fillRef>
+            <a:effectRef idx="0">
+              <a:schemeClr val="accent1"/>
+            </a:effectRef>
+            <a:fontRef idx="minor">
+              <a:schemeClr val="lt1"/>
+            </a:fontRef>
+          </p:style>
+          <p:txBody>
+            <a:bodyPr rtlCol="1" anchor="ctr"/>
+            <a:lstStyle/>
+            <a:p>
+              <a:pPr algn="ctr"/>
+              <a:endParaRPr lang="ar-MA"/>
+            </a:p>
+          </p:txBody>
+        </p:sp>
+      </p:grpSp>
+    </p:spTree>
+    <p:extLst>
+      <p:ext uri="{BB962C8B-B14F-4D97-AF65-F5344CB8AC3E}">
+        <p14:creationId xmlns:p14="http://schemas.microsoft.com/office/powerpoint/2010/main" val="2580388468"/>
+      </p:ext>
+    </p:extLst>
+  </p:cSld>
+  <p:clrMapOvr>
+    <a:masterClrMapping/>
+  </p:clrMapOvr>
+</p:sld>
+</file>
+
 <file path=ppt/theme/theme1.xml><?xml version="1.0" encoding="utf-8"?>
 <a:theme xmlns:a="http://schemas.openxmlformats.org/drawingml/2006/main" name="Office Theme">
   <a:themeElements>

--- a/docs/IMGES.pptx
+++ b/docs/IMGES.pptx
@@ -12,6 +12,7 @@
     <p:sldId id="262" r:id="rId6"/>
     <p:sldId id="263" r:id="rId7"/>
     <p:sldId id="264" r:id="rId8"/>
+    <p:sldId id="265" r:id="rId9"/>
   </p:sldIdLst>
   <p:sldSz cx="12192000" cy="6858000"/>
   <p:notesSz cx="6858000" cy="9144000"/>
@@ -249,7 +250,7 @@
           <a:p>
             <a:fld id="{C736E73E-0E80-4889-A8BC-0AFBA3800F9C}" type="datetimeFigureOut">
               <a:rPr lang="ar-MA" smtClean="0"/>
-              <a:t>16-06-1442</a:t>
+              <a:t>19-06-1442</a:t>
             </a:fld>
             <a:endParaRPr lang="ar-MA"/>
           </a:p>
@@ -419,7 +420,7 @@
           <a:p>
             <a:fld id="{C736E73E-0E80-4889-A8BC-0AFBA3800F9C}" type="datetimeFigureOut">
               <a:rPr lang="ar-MA" smtClean="0"/>
-              <a:t>16-06-1442</a:t>
+              <a:t>19-06-1442</a:t>
             </a:fld>
             <a:endParaRPr lang="ar-MA"/>
           </a:p>
@@ -599,7 +600,7 @@
           <a:p>
             <a:fld id="{C736E73E-0E80-4889-A8BC-0AFBA3800F9C}" type="datetimeFigureOut">
               <a:rPr lang="ar-MA" smtClean="0"/>
-              <a:t>16-06-1442</a:t>
+              <a:t>19-06-1442</a:t>
             </a:fld>
             <a:endParaRPr lang="ar-MA"/>
           </a:p>
@@ -769,7 +770,7 @@
           <a:p>
             <a:fld id="{C736E73E-0E80-4889-A8BC-0AFBA3800F9C}" type="datetimeFigureOut">
               <a:rPr lang="ar-MA" smtClean="0"/>
-              <a:t>16-06-1442</a:t>
+              <a:t>19-06-1442</a:t>
             </a:fld>
             <a:endParaRPr lang="ar-MA"/>
           </a:p>
@@ -1015,7 +1016,7 @@
           <a:p>
             <a:fld id="{C736E73E-0E80-4889-A8BC-0AFBA3800F9C}" type="datetimeFigureOut">
               <a:rPr lang="ar-MA" smtClean="0"/>
-              <a:t>16-06-1442</a:t>
+              <a:t>19-06-1442</a:t>
             </a:fld>
             <a:endParaRPr lang="ar-MA"/>
           </a:p>
@@ -1247,7 +1248,7 @@
           <a:p>
             <a:fld id="{C736E73E-0E80-4889-A8BC-0AFBA3800F9C}" type="datetimeFigureOut">
               <a:rPr lang="ar-MA" smtClean="0"/>
-              <a:t>16-06-1442</a:t>
+              <a:t>19-06-1442</a:t>
             </a:fld>
             <a:endParaRPr lang="ar-MA"/>
           </a:p>
@@ -1614,7 +1615,7 @@
           <a:p>
             <a:fld id="{C736E73E-0E80-4889-A8BC-0AFBA3800F9C}" type="datetimeFigureOut">
               <a:rPr lang="ar-MA" smtClean="0"/>
-              <a:t>16-06-1442</a:t>
+              <a:t>19-06-1442</a:t>
             </a:fld>
             <a:endParaRPr lang="ar-MA"/>
           </a:p>
@@ -1732,7 +1733,7 @@
           <a:p>
             <a:fld id="{C736E73E-0E80-4889-A8BC-0AFBA3800F9C}" type="datetimeFigureOut">
               <a:rPr lang="ar-MA" smtClean="0"/>
-              <a:t>16-06-1442</a:t>
+              <a:t>19-06-1442</a:t>
             </a:fld>
             <a:endParaRPr lang="ar-MA"/>
           </a:p>
@@ -1827,7 +1828,7 @@
           <a:p>
             <a:fld id="{C736E73E-0E80-4889-A8BC-0AFBA3800F9C}" type="datetimeFigureOut">
               <a:rPr lang="ar-MA" smtClean="0"/>
-              <a:t>16-06-1442</a:t>
+              <a:t>19-06-1442</a:t>
             </a:fld>
             <a:endParaRPr lang="ar-MA"/>
           </a:p>
@@ -2104,7 +2105,7 @@
           <a:p>
             <a:fld id="{C736E73E-0E80-4889-A8BC-0AFBA3800F9C}" type="datetimeFigureOut">
               <a:rPr lang="ar-MA" smtClean="0"/>
-              <a:t>16-06-1442</a:t>
+              <a:t>19-06-1442</a:t>
             </a:fld>
             <a:endParaRPr lang="ar-MA"/>
           </a:p>
@@ -2361,7 +2362,7 @@
           <a:p>
             <a:fld id="{C736E73E-0E80-4889-A8BC-0AFBA3800F9C}" type="datetimeFigureOut">
               <a:rPr lang="ar-MA" smtClean="0"/>
-              <a:t>16-06-1442</a:t>
+              <a:t>19-06-1442</a:t>
             </a:fld>
             <a:endParaRPr lang="ar-MA"/>
           </a:p>
@@ -2574,7 +2575,7 @@
           <a:p>
             <a:fld id="{C736E73E-0E80-4889-A8BC-0AFBA3800F9C}" type="datetimeFigureOut">
               <a:rPr lang="ar-MA" smtClean="0"/>
-              <a:t>16-06-1442</a:t>
+              <a:t>19-06-1442</a:t>
             </a:fld>
             <a:endParaRPr lang="ar-MA"/>
           </a:p>
@@ -8319,13 +8320,15 @@
               </a:ext>
             </a:extLst>
           </p:cNvPr>
-          <p:cNvSpPr/>
+          <p:cNvSpPr>
+            <a:spLocks noChangeAspect="1"/>
+          </p:cNvSpPr>
           <p:nvPr/>
         </p:nvSpPr>
         <p:spPr>
           <a:xfrm>
             <a:off x="1126185" y="1817428"/>
-            <a:ext cx="1193495" cy="278071"/>
+            <a:ext cx="927083" cy="216000"/>
           </a:xfrm>
           <a:prstGeom prst="roundRect">
             <a:avLst>
@@ -8333,7 +8336,7 @@
             </a:avLst>
           </a:prstGeom>
           <a:solidFill>
-            <a:srgbClr val="1481CE"/>
+            <a:srgbClr val="9DB3C7"/>
           </a:solidFill>
           <a:ln>
             <a:noFill/>
@@ -8387,7 +8390,7 @@
             </a:avLst>
           </a:prstGeom>
           <a:solidFill>
-            <a:srgbClr val="37B7F1"/>
+            <a:schemeClr val="tx1"/>
           </a:solidFill>
           <a:ln>
             <a:noFill/>
@@ -8414,7 +8417,11 @@
           <a:lstStyle/>
           <a:p>
             <a:pPr algn="ctr"/>
-            <a:endParaRPr lang="ar-MA"/>
+            <a:endParaRPr lang="ar-MA">
+              <a:solidFill>
+                <a:schemeClr val="tx1"/>
+              </a:solidFill>
+            </a:endParaRPr>
           </a:p>
         </p:txBody>
       </p:sp>
@@ -8540,7 +8547,7 @@
         </p:nvSpPr>
         <p:spPr>
           <a:xfrm>
-            <a:off x="669278" y="864851"/>
+            <a:off x="668829" y="864851"/>
             <a:ext cx="2108200" cy="369332"/>
           </a:xfrm>
           <a:prstGeom prst="rect">
@@ -8557,9 +8564,19 @@
             <a:pPr algn="ctr"/>
             <a:r>
               <a:rPr lang="en-US" b="1" dirty="0"/>
-              <a:t>Buttons</a:t>
+              <a:t>+ </a:t>
             </a:r>
-            <a:endParaRPr lang="ar-MA" b="1" dirty="0"/>
+            <a:r>
+              <a:rPr lang="en-US" b="1" dirty="0">
+                <a:latin typeface="Segoe UI" panose="020B0502040204020203" pitchFamily="34" charset="0"/>
+                <a:cs typeface="Segoe UI" panose="020B0502040204020203" pitchFamily="34" charset="0"/>
+              </a:rPr>
+              <a:t>-</a:t>
+            </a:r>
+            <a:endParaRPr lang="ar-MA" b="1" dirty="0">
+              <a:latin typeface="Segoe UI" panose="020B0502040204020203" pitchFamily="34" charset="0"/>
+              <a:cs typeface="Segoe UI" panose="020B0502040204020203" pitchFamily="34" charset="0"/>
+            </a:endParaRPr>
           </a:p>
         </p:txBody>
       </p:sp>
@@ -8583,7 +8600,9 @@
           <a:prstGeom prst="rect">
             <a:avLst/>
           </a:prstGeom>
-          <a:noFill/>
+          <a:solidFill>
+            <a:srgbClr val="FF0000"/>
+          </a:solidFill>
         </p:spPr>
         <p:txBody>
           <a:bodyPr wrap="square" rtlCol="1">
@@ -8593,7 +8612,10 @@
           <a:p>
             <a:pPr algn="ctr"/>
             <a:r>
-              <a:rPr lang="en-US" b="1" dirty="0"/>
+              <a:rPr lang="en-US" dirty="0">
+                <a:ea typeface="Segoe UI Black" panose="020B0A02040204020203" pitchFamily="34" charset="0"/>
+                <a:cs typeface="Segoe UI" panose="020B0502040204020203" pitchFamily="34" charset="0"/>
+              </a:rPr>
               <a:t>App icons</a:t>
             </a:r>
           </a:p>
@@ -8671,6 +8693,222 @@
           </a:prstGeom>
         </p:spPr>
       </p:pic>
+      <p:sp>
+        <p:nvSpPr>
+          <p:cNvPr id="17" name="مستطيل: زوايا مستديرة 16">
+            <a:extLst>
+              <a:ext uri="{FF2B5EF4-FFF2-40B4-BE49-F238E27FC236}">
+                <a16:creationId xmlns:a16="http://schemas.microsoft.com/office/drawing/2014/main" id="{564590B0-B133-4C9C-AEA3-C429C2860B0B}"/>
+              </a:ext>
+            </a:extLst>
+          </p:cNvPr>
+          <p:cNvSpPr/>
+          <p:nvPr/>
+        </p:nvSpPr>
+        <p:spPr>
+          <a:xfrm>
+            <a:off x="1456385" y="4142838"/>
+            <a:ext cx="360000" cy="278071"/>
+          </a:xfrm>
+          <a:prstGeom prst="roundRect">
+            <a:avLst>
+              <a:gd name="adj" fmla="val 13662"/>
+            </a:avLst>
+          </a:prstGeom>
+          <a:solidFill>
+            <a:srgbClr val="1481CE"/>
+          </a:solidFill>
+          <a:ln>
+            <a:noFill/>
+          </a:ln>
+        </p:spPr>
+        <p:style>
+          <a:lnRef idx="2">
+            <a:schemeClr val="accent1">
+              <a:shade val="50000"/>
+            </a:schemeClr>
+          </a:lnRef>
+          <a:fillRef idx="1">
+            <a:schemeClr val="accent1"/>
+          </a:fillRef>
+          <a:effectRef idx="0">
+            <a:schemeClr val="accent1"/>
+          </a:effectRef>
+          <a:fontRef idx="minor">
+            <a:schemeClr val="lt1"/>
+          </a:fontRef>
+        </p:style>
+        <p:txBody>
+          <a:bodyPr rtlCol="1" anchor="ctr"/>
+          <a:lstStyle/>
+          <a:p>
+            <a:pPr algn="ctr"/>
+            <a:endParaRPr lang="ar-MA"/>
+          </a:p>
+        </p:txBody>
+      </p:sp>
+      <p:sp>
+        <p:nvSpPr>
+          <p:cNvPr id="19" name="مستطيل: زوايا مستديرة 18">
+            <a:extLst>
+              <a:ext uri="{FF2B5EF4-FFF2-40B4-BE49-F238E27FC236}">
+                <a16:creationId xmlns:a16="http://schemas.microsoft.com/office/drawing/2014/main" id="{CC44D867-74C5-4D54-9760-C9C0810C5D54}"/>
+              </a:ext>
+            </a:extLst>
+          </p:cNvPr>
+          <p:cNvSpPr/>
+          <p:nvPr/>
+        </p:nvSpPr>
+        <p:spPr>
+          <a:xfrm>
+            <a:off x="1456384" y="4553054"/>
+            <a:ext cx="360000" cy="278071"/>
+          </a:xfrm>
+          <a:prstGeom prst="roundRect">
+            <a:avLst>
+              <a:gd name="adj" fmla="val 13662"/>
+            </a:avLst>
+          </a:prstGeom>
+          <a:solidFill>
+            <a:srgbClr val="37B7F1"/>
+          </a:solidFill>
+          <a:ln>
+            <a:noFill/>
+          </a:ln>
+        </p:spPr>
+        <p:style>
+          <a:lnRef idx="2">
+            <a:schemeClr val="accent1">
+              <a:shade val="50000"/>
+            </a:schemeClr>
+          </a:lnRef>
+          <a:fillRef idx="1">
+            <a:schemeClr val="accent1"/>
+          </a:fillRef>
+          <a:effectRef idx="0">
+            <a:schemeClr val="accent1"/>
+          </a:effectRef>
+          <a:fontRef idx="minor">
+            <a:schemeClr val="lt1"/>
+          </a:fontRef>
+        </p:style>
+        <p:txBody>
+          <a:bodyPr rtlCol="1" anchor="ctr"/>
+          <a:lstStyle/>
+          <a:p>
+            <a:pPr algn="ctr"/>
+            <a:endParaRPr lang="ar-MA"/>
+          </a:p>
+        </p:txBody>
+      </p:sp>
+      <p:sp>
+        <p:nvSpPr>
+          <p:cNvPr id="20" name="مستطيل: زوايا مستديرة 19">
+            <a:extLst>
+              <a:ext uri="{FF2B5EF4-FFF2-40B4-BE49-F238E27FC236}">
+                <a16:creationId xmlns:a16="http://schemas.microsoft.com/office/drawing/2014/main" id="{3A0DC05F-457E-48AA-B0F2-5A11564AEC6B}"/>
+              </a:ext>
+            </a:extLst>
+          </p:cNvPr>
+          <p:cNvSpPr/>
+          <p:nvPr/>
+        </p:nvSpPr>
+        <p:spPr>
+          <a:xfrm>
+            <a:off x="1456383" y="4963270"/>
+            <a:ext cx="360000" cy="278071"/>
+          </a:xfrm>
+          <a:prstGeom prst="roundRect">
+            <a:avLst>
+              <a:gd name="adj" fmla="val 13662"/>
+            </a:avLst>
+          </a:prstGeom>
+          <a:solidFill>
+            <a:srgbClr val="14589B"/>
+          </a:solidFill>
+          <a:ln>
+            <a:noFill/>
+          </a:ln>
+        </p:spPr>
+        <p:style>
+          <a:lnRef idx="2">
+            <a:schemeClr val="accent1">
+              <a:shade val="50000"/>
+            </a:schemeClr>
+          </a:lnRef>
+          <a:fillRef idx="1">
+            <a:schemeClr val="accent1"/>
+          </a:fillRef>
+          <a:effectRef idx="0">
+            <a:schemeClr val="accent1"/>
+          </a:effectRef>
+          <a:fontRef idx="minor">
+            <a:schemeClr val="lt1"/>
+          </a:fontRef>
+        </p:style>
+        <p:txBody>
+          <a:bodyPr rtlCol="1" anchor="ctr"/>
+          <a:lstStyle/>
+          <a:p>
+            <a:pPr algn="ctr"/>
+            <a:endParaRPr lang="ar-MA"/>
+          </a:p>
+        </p:txBody>
+      </p:sp>
+      <p:sp>
+        <p:nvSpPr>
+          <p:cNvPr id="21" name="مستطيل: زوايا مستديرة 20">
+            <a:extLst>
+              <a:ext uri="{FF2B5EF4-FFF2-40B4-BE49-F238E27FC236}">
+                <a16:creationId xmlns:a16="http://schemas.microsoft.com/office/drawing/2014/main" id="{7A62FD69-DD46-454A-A960-E0E931479F08}"/>
+              </a:ext>
+            </a:extLst>
+          </p:cNvPr>
+          <p:cNvSpPr/>
+          <p:nvPr/>
+        </p:nvSpPr>
+        <p:spPr>
+          <a:xfrm>
+            <a:off x="1456382" y="5373486"/>
+            <a:ext cx="360000" cy="278071"/>
+          </a:xfrm>
+          <a:prstGeom prst="roundRect">
+            <a:avLst>
+              <a:gd name="adj" fmla="val 13662"/>
+            </a:avLst>
+          </a:prstGeom>
+          <a:solidFill>
+            <a:srgbClr val="9DB3C7"/>
+          </a:solidFill>
+          <a:ln>
+            <a:noFill/>
+          </a:ln>
+        </p:spPr>
+        <p:style>
+          <a:lnRef idx="2">
+            <a:schemeClr val="accent1">
+              <a:shade val="50000"/>
+            </a:schemeClr>
+          </a:lnRef>
+          <a:fillRef idx="1">
+            <a:schemeClr val="accent1"/>
+          </a:fillRef>
+          <a:effectRef idx="0">
+            <a:schemeClr val="accent1"/>
+          </a:effectRef>
+          <a:fontRef idx="minor">
+            <a:schemeClr val="lt1"/>
+          </a:fontRef>
+        </p:style>
+        <p:txBody>
+          <a:bodyPr rtlCol="1" anchor="ctr"/>
+          <a:lstStyle/>
+          <a:p>
+            <a:pPr algn="ctr"/>
+            <a:endParaRPr lang="ar-MA"/>
+          </a:p>
+        </p:txBody>
+      </p:sp>
     </p:spTree>
     <p:extLst>
       <p:ext uri="{BB962C8B-B14F-4D97-AF65-F5344CB8AC3E}">
@@ -12024,6 +12262,58 @@
           </p:txBody>
         </p:sp>
       </p:grpSp>
+      <p:sp>
+        <p:nvSpPr>
+          <p:cNvPr id="39" name="مستطيل: زوايا مستديرة 38">
+            <a:extLst>
+              <a:ext uri="{FF2B5EF4-FFF2-40B4-BE49-F238E27FC236}">
+                <a16:creationId xmlns:a16="http://schemas.microsoft.com/office/drawing/2014/main" id="{888DC809-6DB3-47A2-B02D-F4244A94A506}"/>
+              </a:ext>
+            </a:extLst>
+          </p:cNvPr>
+          <p:cNvSpPr/>
+          <p:nvPr/>
+        </p:nvSpPr>
+        <p:spPr>
+          <a:xfrm>
+            <a:off x="1152939" y="1515276"/>
+            <a:ext cx="115200" cy="115200"/>
+          </a:xfrm>
+          <a:prstGeom prst="roundRect">
+            <a:avLst/>
+          </a:prstGeom>
+          <a:solidFill>
+            <a:srgbClr val="E2A25C"/>
+          </a:solidFill>
+          <a:ln>
+            <a:noFill/>
+          </a:ln>
+        </p:spPr>
+        <p:style>
+          <a:lnRef idx="2">
+            <a:schemeClr val="accent1">
+              <a:shade val="50000"/>
+            </a:schemeClr>
+          </a:lnRef>
+          <a:fillRef idx="1">
+            <a:schemeClr val="accent1"/>
+          </a:fillRef>
+          <a:effectRef idx="0">
+            <a:schemeClr val="accent1"/>
+          </a:effectRef>
+          <a:fontRef idx="minor">
+            <a:schemeClr val="lt1"/>
+          </a:fontRef>
+        </p:style>
+        <p:txBody>
+          <a:bodyPr rtlCol="1" anchor="ctr"/>
+          <a:lstStyle/>
+          <a:p>
+            <a:pPr algn="ctr"/>
+            <a:endParaRPr lang="ar-MA"/>
+          </a:p>
+        </p:txBody>
+      </p:sp>
     </p:spTree>
     <p:extLst>
       <p:ext uri="{BB962C8B-B14F-4D97-AF65-F5344CB8AC3E}">
@@ -12621,6 +12911,630 @@
 </p:sld>
 </file>
 
+<file path=ppt/slides/slide8.xml><?xml version="1.0" encoding="utf-8"?>
+<p:sld xmlns:a="http://schemas.openxmlformats.org/drawingml/2006/main" xmlns:r="http://schemas.openxmlformats.org/officeDocument/2006/relationships" xmlns:p="http://schemas.openxmlformats.org/presentationml/2006/main">
+  <p:cSld>
+    <p:spTree>
+      <p:nvGrpSpPr>
+        <p:cNvPr id="1" name=""/>
+        <p:cNvGrpSpPr/>
+        <p:nvPr/>
+      </p:nvGrpSpPr>
+      <p:grpSpPr>
+        <a:xfrm>
+          <a:off x="0" y="0"/>
+          <a:ext cx="0" cy="0"/>
+          <a:chOff x="0" y="0"/>
+          <a:chExt cx="0" cy="0"/>
+        </a:xfrm>
+      </p:grpSpPr>
+      <p:grpSp>
+        <p:nvGrpSpPr>
+          <p:cNvPr id="7" name="مجموعة 6">
+            <a:extLst>
+              <a:ext uri="{FF2B5EF4-FFF2-40B4-BE49-F238E27FC236}">
+                <a16:creationId xmlns:a16="http://schemas.microsoft.com/office/drawing/2014/main" id="{CAEFE287-FFE1-486C-8861-6FF716D01599}"/>
+              </a:ext>
+            </a:extLst>
+          </p:cNvPr>
+          <p:cNvGrpSpPr>
+            <a:grpSpLocks noChangeAspect="1"/>
+          </p:cNvGrpSpPr>
+          <p:nvPr/>
+        </p:nvGrpSpPr>
+        <p:grpSpPr>
+          <a:xfrm>
+            <a:off x="6414386" y="2129962"/>
+            <a:ext cx="720000" cy="360000"/>
+            <a:chOff x="3479800" y="3167062"/>
+            <a:chExt cx="1440000" cy="720000"/>
+          </a:xfrm>
+        </p:grpSpPr>
+        <p:sp>
+          <p:nvSpPr>
+            <p:cNvPr id="5" name="مستطيل: زوايا مستديرة 4">
+              <a:extLst>
+                <a:ext uri="{FF2B5EF4-FFF2-40B4-BE49-F238E27FC236}">
+                  <a16:creationId xmlns:a16="http://schemas.microsoft.com/office/drawing/2014/main" id="{2BF3BC13-B6E5-4D10-9B8F-7CB6A82E589F}"/>
+                </a:ext>
+              </a:extLst>
+            </p:cNvPr>
+            <p:cNvSpPr/>
+            <p:nvPr/>
+          </p:nvSpPr>
+          <p:spPr>
+            <a:xfrm flipH="1">
+              <a:off x="3479800" y="3167062"/>
+              <a:ext cx="1440000" cy="720000"/>
+            </a:xfrm>
+            <a:prstGeom prst="roundRect">
+              <a:avLst>
+                <a:gd name="adj" fmla="val 50000"/>
+              </a:avLst>
+            </a:prstGeom>
+            <a:solidFill>
+              <a:srgbClr val="D9DADC"/>
+            </a:solidFill>
+            <a:ln>
+              <a:noFill/>
+            </a:ln>
+          </p:spPr>
+          <p:style>
+            <a:lnRef idx="2">
+              <a:schemeClr val="accent1">
+                <a:shade val="50000"/>
+              </a:schemeClr>
+            </a:lnRef>
+            <a:fillRef idx="1">
+              <a:schemeClr val="accent1"/>
+            </a:fillRef>
+            <a:effectRef idx="0">
+              <a:schemeClr val="accent1"/>
+            </a:effectRef>
+            <a:fontRef idx="minor">
+              <a:schemeClr val="lt1"/>
+            </a:fontRef>
+          </p:style>
+          <p:txBody>
+            <a:bodyPr rtlCol="1" anchor="ctr"/>
+            <a:lstStyle/>
+            <a:p>
+              <a:pPr algn="ctr"/>
+              <a:endParaRPr lang="ar-MA"/>
+            </a:p>
+          </p:txBody>
+        </p:sp>
+        <p:sp>
+          <p:nvSpPr>
+            <p:cNvPr id="6" name="شكل بيضاوي 5">
+              <a:extLst>
+                <a:ext uri="{FF2B5EF4-FFF2-40B4-BE49-F238E27FC236}">
+                  <a16:creationId xmlns:a16="http://schemas.microsoft.com/office/drawing/2014/main" id="{99122DD4-00B5-4698-AFAF-CEF615C839F3}"/>
+                </a:ext>
+              </a:extLst>
+            </p:cNvPr>
+            <p:cNvSpPr/>
+            <p:nvPr/>
+          </p:nvSpPr>
+          <p:spPr>
+            <a:xfrm flipH="1">
+              <a:off x="3539100" y="3203062"/>
+              <a:ext cx="648000" cy="648000"/>
+            </a:xfrm>
+            <a:prstGeom prst="ellipse">
+              <a:avLst/>
+            </a:prstGeom>
+            <a:solidFill>
+              <a:schemeClr val="bg1"/>
+            </a:solidFill>
+            <a:ln>
+              <a:noFill/>
+            </a:ln>
+          </p:spPr>
+          <p:style>
+            <a:lnRef idx="2">
+              <a:schemeClr val="accent1">
+                <a:shade val="50000"/>
+              </a:schemeClr>
+            </a:lnRef>
+            <a:fillRef idx="1">
+              <a:schemeClr val="accent1"/>
+            </a:fillRef>
+            <a:effectRef idx="0">
+              <a:schemeClr val="accent1"/>
+            </a:effectRef>
+            <a:fontRef idx="minor">
+              <a:schemeClr val="lt1"/>
+            </a:fontRef>
+          </p:style>
+          <p:txBody>
+            <a:bodyPr rtlCol="1" anchor="ctr"/>
+            <a:lstStyle/>
+            <a:p>
+              <a:pPr algn="ctr"/>
+              <a:endParaRPr lang="ar-MA"/>
+            </a:p>
+          </p:txBody>
+        </p:sp>
+      </p:grpSp>
+      <p:grpSp>
+        <p:nvGrpSpPr>
+          <p:cNvPr id="19" name="مجموعة 18">
+            <a:extLst>
+              <a:ext uri="{FF2B5EF4-FFF2-40B4-BE49-F238E27FC236}">
+                <a16:creationId xmlns:a16="http://schemas.microsoft.com/office/drawing/2014/main" id="{BFE8D4FD-E274-4E60-9674-720C8A7DE7DD}"/>
+              </a:ext>
+            </a:extLst>
+          </p:cNvPr>
+          <p:cNvGrpSpPr/>
+          <p:nvPr/>
+        </p:nvGrpSpPr>
+        <p:grpSpPr>
+          <a:xfrm>
+            <a:off x="3507309" y="2291962"/>
+            <a:ext cx="216000" cy="108000"/>
+            <a:chOff x="3507309" y="2291962"/>
+            <a:chExt cx="216000" cy="108000"/>
+          </a:xfrm>
+        </p:grpSpPr>
+        <p:sp>
+          <p:nvSpPr>
+            <p:cNvPr id="11" name="مستطيل: زوايا مستديرة 10">
+              <a:extLst>
+                <a:ext uri="{FF2B5EF4-FFF2-40B4-BE49-F238E27FC236}">
+                  <a16:creationId xmlns:a16="http://schemas.microsoft.com/office/drawing/2014/main" id="{446A8681-8BEF-4C95-81C5-EE26A8F992EA}"/>
+                </a:ext>
+              </a:extLst>
+            </p:cNvPr>
+            <p:cNvSpPr/>
+            <p:nvPr/>
+          </p:nvSpPr>
+          <p:spPr>
+            <a:xfrm>
+              <a:off x="3507309" y="2291962"/>
+              <a:ext cx="216000" cy="108000"/>
+            </a:xfrm>
+            <a:prstGeom prst="roundRect">
+              <a:avLst>
+                <a:gd name="adj" fmla="val 50000"/>
+              </a:avLst>
+            </a:prstGeom>
+            <a:solidFill>
+              <a:srgbClr val="4BD865"/>
+            </a:solidFill>
+            <a:ln>
+              <a:noFill/>
+            </a:ln>
+          </p:spPr>
+          <p:style>
+            <a:lnRef idx="2">
+              <a:schemeClr val="accent1">
+                <a:shade val="50000"/>
+              </a:schemeClr>
+            </a:lnRef>
+            <a:fillRef idx="1">
+              <a:schemeClr val="accent1"/>
+            </a:fillRef>
+            <a:effectRef idx="0">
+              <a:schemeClr val="accent1"/>
+            </a:effectRef>
+            <a:fontRef idx="minor">
+              <a:schemeClr val="lt1"/>
+            </a:fontRef>
+          </p:style>
+          <p:txBody>
+            <a:bodyPr rtlCol="1" anchor="ctr"/>
+            <a:lstStyle/>
+            <a:p>
+              <a:pPr algn="ctr"/>
+              <a:endParaRPr lang="ar-MA"/>
+            </a:p>
+          </p:txBody>
+        </p:sp>
+        <p:sp>
+          <p:nvSpPr>
+            <p:cNvPr id="12" name="شكل بيضاوي 11">
+              <a:extLst>
+                <a:ext uri="{FF2B5EF4-FFF2-40B4-BE49-F238E27FC236}">
+                  <a16:creationId xmlns:a16="http://schemas.microsoft.com/office/drawing/2014/main" id="{7C9227F3-31FF-4364-AE47-1623C53823E9}"/>
+                </a:ext>
+              </a:extLst>
+            </p:cNvPr>
+            <p:cNvSpPr/>
+            <p:nvPr/>
+          </p:nvSpPr>
+          <p:spPr>
+            <a:xfrm>
+              <a:off x="3620405" y="2302762"/>
+              <a:ext cx="86400" cy="86400"/>
+            </a:xfrm>
+            <a:prstGeom prst="ellipse">
+              <a:avLst/>
+            </a:prstGeom>
+            <a:solidFill>
+              <a:schemeClr val="bg1"/>
+            </a:solidFill>
+            <a:ln>
+              <a:noFill/>
+            </a:ln>
+          </p:spPr>
+          <p:style>
+            <a:lnRef idx="2">
+              <a:schemeClr val="accent1">
+                <a:shade val="50000"/>
+              </a:schemeClr>
+            </a:lnRef>
+            <a:fillRef idx="1">
+              <a:schemeClr val="accent1"/>
+            </a:fillRef>
+            <a:effectRef idx="0">
+              <a:schemeClr val="accent1"/>
+            </a:effectRef>
+            <a:fontRef idx="minor">
+              <a:schemeClr val="lt1"/>
+            </a:fontRef>
+          </p:style>
+          <p:txBody>
+            <a:bodyPr rtlCol="1" anchor="ctr"/>
+            <a:lstStyle/>
+            <a:p>
+              <a:pPr algn="ctr"/>
+              <a:endParaRPr lang="ar-MA"/>
+            </a:p>
+          </p:txBody>
+        </p:sp>
+      </p:grpSp>
+      <p:sp>
+        <p:nvSpPr>
+          <p:cNvPr id="21" name="مستطيل: زوايا مستديرة 20">
+            <a:extLst>
+              <a:ext uri="{FF2B5EF4-FFF2-40B4-BE49-F238E27FC236}">
+                <a16:creationId xmlns:a16="http://schemas.microsoft.com/office/drawing/2014/main" id="{9DDB5F06-B53B-4B5F-966C-4C88DEACCF1F}"/>
+              </a:ext>
+            </a:extLst>
+          </p:cNvPr>
+          <p:cNvSpPr/>
+          <p:nvPr/>
+        </p:nvSpPr>
+        <p:spPr>
+          <a:xfrm>
+            <a:off x="2888184" y="2711062"/>
+            <a:ext cx="216000" cy="115200"/>
+          </a:xfrm>
+          <a:prstGeom prst="roundRect">
+            <a:avLst>
+              <a:gd name="adj" fmla="val 50000"/>
+            </a:avLst>
+          </a:prstGeom>
+          <a:solidFill>
+            <a:srgbClr val="4BD865"/>
+          </a:solidFill>
+          <a:ln>
+            <a:noFill/>
+          </a:ln>
+        </p:spPr>
+        <p:style>
+          <a:lnRef idx="2">
+            <a:schemeClr val="accent1">
+              <a:shade val="50000"/>
+            </a:schemeClr>
+          </a:lnRef>
+          <a:fillRef idx="1">
+            <a:schemeClr val="accent1"/>
+          </a:fillRef>
+          <a:effectRef idx="0">
+            <a:schemeClr val="accent1"/>
+          </a:effectRef>
+          <a:fontRef idx="minor">
+            <a:schemeClr val="lt1"/>
+          </a:fontRef>
+        </p:style>
+        <p:txBody>
+          <a:bodyPr rtlCol="1" anchor="ctr"/>
+          <a:lstStyle/>
+          <a:p>
+            <a:pPr algn="ctr"/>
+            <a:endParaRPr lang="ar-MA"/>
+          </a:p>
+        </p:txBody>
+      </p:sp>
+      <p:sp>
+        <p:nvSpPr>
+          <p:cNvPr id="22" name="شكل بيضاوي 21">
+            <a:extLst>
+              <a:ext uri="{FF2B5EF4-FFF2-40B4-BE49-F238E27FC236}">
+                <a16:creationId xmlns:a16="http://schemas.microsoft.com/office/drawing/2014/main" id="{69A948C9-7F84-45BE-9934-6A4AF253606C}"/>
+              </a:ext>
+            </a:extLst>
+          </p:cNvPr>
+          <p:cNvSpPr/>
+          <p:nvPr/>
+        </p:nvSpPr>
+        <p:spPr>
+          <a:xfrm>
+            <a:off x="3001280" y="2723662"/>
+            <a:ext cx="90000" cy="90000"/>
+          </a:xfrm>
+          <a:prstGeom prst="ellipse">
+            <a:avLst/>
+          </a:prstGeom>
+          <a:solidFill>
+            <a:schemeClr val="bg1"/>
+          </a:solidFill>
+          <a:ln>
+            <a:noFill/>
+          </a:ln>
+        </p:spPr>
+        <p:style>
+          <a:lnRef idx="2">
+            <a:schemeClr val="accent1">
+              <a:shade val="50000"/>
+            </a:schemeClr>
+          </a:lnRef>
+          <a:fillRef idx="1">
+            <a:schemeClr val="accent1"/>
+          </a:fillRef>
+          <a:effectRef idx="0">
+            <a:schemeClr val="accent1"/>
+          </a:effectRef>
+          <a:fontRef idx="minor">
+            <a:schemeClr val="lt1"/>
+          </a:fontRef>
+        </p:style>
+        <p:txBody>
+          <a:bodyPr rtlCol="1" anchor="ctr"/>
+          <a:lstStyle/>
+          <a:p>
+            <a:pPr algn="ctr"/>
+            <a:endParaRPr lang="ar-MA"/>
+          </a:p>
+        </p:txBody>
+      </p:sp>
+      <p:sp>
+        <p:nvSpPr>
+          <p:cNvPr id="25" name="مستطيل: زوايا مستديرة 24">
+            <a:extLst>
+              <a:ext uri="{FF2B5EF4-FFF2-40B4-BE49-F238E27FC236}">
+                <a16:creationId xmlns:a16="http://schemas.microsoft.com/office/drawing/2014/main" id="{E6F56002-49D8-4A19-9DB1-61F957ACD5E2}"/>
+              </a:ext>
+            </a:extLst>
+          </p:cNvPr>
+          <p:cNvSpPr/>
+          <p:nvPr/>
+        </p:nvSpPr>
+        <p:spPr>
+          <a:xfrm flipH="1">
+            <a:off x="3040584" y="2863462"/>
+            <a:ext cx="216000" cy="115200"/>
+          </a:xfrm>
+          <a:prstGeom prst="roundRect">
+            <a:avLst>
+              <a:gd name="adj" fmla="val 50000"/>
+            </a:avLst>
+          </a:prstGeom>
+          <a:solidFill>
+            <a:srgbClr val="D9DADC"/>
+          </a:solidFill>
+          <a:ln>
+            <a:noFill/>
+          </a:ln>
+        </p:spPr>
+        <p:style>
+          <a:lnRef idx="2">
+            <a:schemeClr val="accent1">
+              <a:shade val="50000"/>
+            </a:schemeClr>
+          </a:lnRef>
+          <a:fillRef idx="1">
+            <a:schemeClr val="accent1"/>
+          </a:fillRef>
+          <a:effectRef idx="0">
+            <a:schemeClr val="accent1"/>
+          </a:effectRef>
+          <a:fontRef idx="minor">
+            <a:schemeClr val="lt1"/>
+          </a:fontRef>
+        </p:style>
+        <p:txBody>
+          <a:bodyPr rtlCol="1" anchor="ctr"/>
+          <a:lstStyle/>
+          <a:p>
+            <a:pPr algn="ctr"/>
+            <a:endParaRPr lang="ar-MA"/>
+          </a:p>
+        </p:txBody>
+      </p:sp>
+      <p:sp>
+        <p:nvSpPr>
+          <p:cNvPr id="26" name="شكل بيضاوي 25">
+            <a:extLst>
+              <a:ext uri="{FF2B5EF4-FFF2-40B4-BE49-F238E27FC236}">
+                <a16:creationId xmlns:a16="http://schemas.microsoft.com/office/drawing/2014/main" id="{A0CE6F75-67D3-4E4A-BD9D-A45E2F077B94}"/>
+              </a:ext>
+            </a:extLst>
+          </p:cNvPr>
+          <p:cNvSpPr/>
+          <p:nvPr/>
+        </p:nvSpPr>
+        <p:spPr>
+          <a:xfrm flipH="1">
+            <a:off x="3053488" y="2876062"/>
+            <a:ext cx="90000" cy="90000"/>
+          </a:xfrm>
+          <a:prstGeom prst="ellipse">
+            <a:avLst/>
+          </a:prstGeom>
+          <a:solidFill>
+            <a:schemeClr val="bg1"/>
+          </a:solidFill>
+          <a:ln>
+            <a:noFill/>
+          </a:ln>
+        </p:spPr>
+        <p:style>
+          <a:lnRef idx="2">
+            <a:schemeClr val="accent1">
+              <a:shade val="50000"/>
+            </a:schemeClr>
+          </a:lnRef>
+          <a:fillRef idx="1">
+            <a:schemeClr val="accent1"/>
+          </a:fillRef>
+          <a:effectRef idx="0">
+            <a:schemeClr val="accent1"/>
+          </a:effectRef>
+          <a:fontRef idx="minor">
+            <a:schemeClr val="lt1"/>
+          </a:fontRef>
+        </p:style>
+        <p:txBody>
+          <a:bodyPr rtlCol="1" anchor="ctr"/>
+          <a:lstStyle/>
+          <a:p>
+            <a:pPr algn="ctr"/>
+            <a:endParaRPr lang="ar-MA"/>
+          </a:p>
+        </p:txBody>
+      </p:sp>
+      <p:pic>
+        <p:nvPicPr>
+          <p:cNvPr id="30" name="صورة 29">
+            <a:extLst>
+              <a:ext uri="{FF2B5EF4-FFF2-40B4-BE49-F238E27FC236}">
+                <a16:creationId xmlns:a16="http://schemas.microsoft.com/office/drawing/2014/main" id="{9D27D98F-1BAD-462B-927B-F1103B4A9CF7}"/>
+              </a:ext>
+            </a:extLst>
+          </p:cNvPr>
+          <p:cNvPicPr>
+            <a:picLocks noChangeAspect="1"/>
+          </p:cNvPicPr>
+          <p:nvPr/>
+        </p:nvPicPr>
+        <p:blipFill>
+          <a:blip r:embed="rId2"/>
+          <a:stretch>
+            <a:fillRect/>
+          </a:stretch>
+        </p:blipFill>
+        <p:spPr>
+          <a:xfrm>
+            <a:off x="2603119" y="1792086"/>
+            <a:ext cx="990738" cy="314369"/>
+          </a:xfrm>
+          <a:prstGeom prst="rect">
+            <a:avLst/>
+          </a:prstGeom>
+        </p:spPr>
+      </p:pic>
+      <p:sp>
+        <p:nvSpPr>
+          <p:cNvPr id="31" name="مستطيل: زوايا علوية مستديرة 30">
+            <a:extLst>
+              <a:ext uri="{FF2B5EF4-FFF2-40B4-BE49-F238E27FC236}">
+                <a16:creationId xmlns:a16="http://schemas.microsoft.com/office/drawing/2014/main" id="{29E33839-8BF8-446D-9D49-769AEFFC3003}"/>
+              </a:ext>
+            </a:extLst>
+          </p:cNvPr>
+          <p:cNvSpPr/>
+          <p:nvPr/>
+        </p:nvSpPr>
+        <p:spPr>
+          <a:xfrm rot="16200000">
+            <a:off x="1740082" y="1283367"/>
+            <a:ext cx="108000" cy="108000"/>
+          </a:xfrm>
+          <a:prstGeom prst="round2SameRect">
+            <a:avLst>
+              <a:gd name="adj1" fmla="val 5624"/>
+              <a:gd name="adj2" fmla="val 0"/>
+            </a:avLst>
+          </a:prstGeom>
+          <a:noFill/>
+          <a:ln w="12700">
+            <a:solidFill>
+              <a:schemeClr val="bg1">
+                <a:lumMod val="85000"/>
+              </a:schemeClr>
+            </a:solidFill>
+          </a:ln>
+        </p:spPr>
+        <p:style>
+          <a:lnRef idx="2">
+            <a:schemeClr val="accent1">
+              <a:shade val="50000"/>
+            </a:schemeClr>
+          </a:lnRef>
+          <a:fillRef idx="1">
+            <a:schemeClr val="accent1"/>
+          </a:fillRef>
+          <a:effectRef idx="0">
+            <a:schemeClr val="accent1"/>
+          </a:effectRef>
+          <a:fontRef idx="minor">
+            <a:schemeClr val="lt1"/>
+          </a:fontRef>
+        </p:style>
+        <p:txBody>
+          <a:bodyPr rtlCol="1" anchor="ctr"/>
+          <a:lstStyle/>
+          <a:p>
+            <a:pPr algn="ctr"/>
+            <a:endParaRPr lang="ar-MA" dirty="0"/>
+          </a:p>
+        </p:txBody>
+      </p:sp>
+      <p:pic>
+        <p:nvPicPr>
+          <p:cNvPr id="33" name="رسم 32" descr="إضافة مع تعبئة خالصة">
+            <a:extLst>
+              <a:ext uri="{FF2B5EF4-FFF2-40B4-BE49-F238E27FC236}">
+                <a16:creationId xmlns:a16="http://schemas.microsoft.com/office/drawing/2014/main" id="{0808E52A-206B-44FE-8A13-69A4436F0E3E}"/>
+              </a:ext>
+            </a:extLst>
+          </p:cNvPr>
+          <p:cNvPicPr>
+            <a:picLocks noChangeAspect="1"/>
+          </p:cNvPicPr>
+          <p:nvPr/>
+        </p:nvPicPr>
+        <p:blipFill>
+          <a:blip r:embed="rId3">
+            <a:extLst>
+              <a:ext uri="{28A0092B-C50C-407E-A947-70E740481C1C}">
+                <a14:useLocalDpi xmlns:a14="http://schemas.microsoft.com/office/drawing/2010/main" val="0"/>
+              </a:ext>
+              <a:ext uri="{96DAC541-7B7A-43D3-8B79-37D633B846F1}">
+                <asvg:svgBlip xmlns:asvg="http://schemas.microsoft.com/office/drawing/2016/SVG/main" r:embed="rId4"/>
+              </a:ext>
+            </a:extLst>
+          </a:blip>
+          <a:stretch>
+            <a:fillRect/>
+          </a:stretch>
+        </p:blipFill>
+        <p:spPr>
+          <a:xfrm>
+            <a:off x="1665114" y="1795952"/>
+            <a:ext cx="72000" cy="72000"/>
+          </a:xfrm>
+          <a:prstGeom prst="rect">
+            <a:avLst/>
+          </a:prstGeom>
+        </p:spPr>
+      </p:pic>
+    </p:spTree>
+    <p:extLst>
+      <p:ext uri="{BB962C8B-B14F-4D97-AF65-F5344CB8AC3E}">
+        <p14:creationId xmlns:p14="http://schemas.microsoft.com/office/powerpoint/2010/main" val="3230477679"/>
+      </p:ext>
+    </p:extLst>
+  </p:cSld>
+  <p:clrMapOvr>
+    <a:masterClrMapping/>
+  </p:clrMapOvr>
+</p:sld>
+</file>
+
 <file path=ppt/theme/theme1.xml><?xml version="1.0" encoding="utf-8"?>
 <a:theme xmlns:a="http://schemas.openxmlformats.org/drawingml/2006/main" name="Office Theme">
   <a:themeElements>
